--- a/pres.pptx
+++ b/pres.pptx
@@ -4224,7 +4224,7 @@
           <a:p>
             <a:r>
               <a:rPr lang="en-US" dirty="0"/>
-              <a:t>Computing Summer Camp 2016</a:t>
+              <a:t>Computing Summer Camp 2017</a:t>
             </a:r>
           </a:p>
         </p:txBody>
